--- a/paper/答辩PPT.pptx
+++ b/paper/答辩PPT.pptx
@@ -242,7 +242,7 @@
           <a:p>
             <a:fld id="{3ABB2E5B-1A0B-4F0A-9547-4FB8D13F2C5F}" type="datetimeFigureOut">
               <a:rPr lang="zh-CN" altLang="en-US" smtClean="0"/>
-              <a:t>2022/4/22</a:t>
+              <a:t>2022/4/23</a:t>
             </a:fld>
             <a:endParaRPr lang="zh-CN" altLang="en-US"/>
           </a:p>
@@ -6746,7 +6746,7 @@
           <a:graphicData uri="http://schemas.openxmlformats.org/presentationml/2006/ole">
             <mc:AlternateContent xmlns:mc="http://schemas.openxmlformats.org/markup-compatibility/2006">
               <mc:Choice xmlns:v="urn:schemas-microsoft-com:vml" Requires="v">
-                <p:oleObj spid="_x0000_s1092" name="Visio" r:id="rId4" imgW="4610090" imgH="1924256" progId="Visio.Drawing.15">
+                <p:oleObj spid="_x0000_s1094" name="Visio" r:id="rId4" imgW="4610090" imgH="1924256" progId="Visio.Drawing.15">
                   <p:embed/>
                 </p:oleObj>
               </mc:Choice>
@@ -6885,7 +6885,7 @@
         </p:blipFill>
         <p:spPr bwMode="auto">
           <a:xfrm>
-            <a:off x="1329656" y="1671347"/>
+            <a:off x="1335919" y="1671347"/>
             <a:ext cx="10104860" cy="4373466"/>
           </a:xfrm>
           <a:prstGeom prst="rect">
@@ -21633,7 +21633,7 @@
         </p:nvSpPr>
         <p:spPr>
           <a:xfrm>
-            <a:off x="7466432" y="5325327"/>
+            <a:off x="7266016" y="4855601"/>
             <a:ext cx="1908428" cy="362792"/>
           </a:xfrm>
           <a:prstGeom prst="rect">
@@ -21680,7 +21680,7 @@
         </p:nvSpPr>
         <p:spPr>
           <a:xfrm>
-            <a:off x="2775627" y="2430475"/>
+            <a:off x="2575211" y="1960749"/>
             <a:ext cx="1997853" cy="364074"/>
           </a:xfrm>
           <a:prstGeom prst="rect">
@@ -21750,7 +21750,7 @@
         </p:nvSpPr>
         <p:spPr>
           <a:xfrm>
-            <a:off x="7466432" y="2430475"/>
+            <a:off x="7266016" y="1960749"/>
             <a:ext cx="1997853" cy="362792"/>
           </a:xfrm>
           <a:prstGeom prst="rect">
@@ -21817,7 +21817,7 @@
         </p:nvSpPr>
         <p:spPr>
           <a:xfrm>
-            <a:off x="2144419" y="5326486"/>
+            <a:off x="1944003" y="4856760"/>
             <a:ext cx="2557878" cy="362792"/>
           </a:xfrm>
           <a:prstGeom prst="rect">
@@ -21864,7 +21864,7 @@
         </p:nvGrpSpPr>
         <p:grpSpPr>
           <a:xfrm>
-            <a:off x="4479494" y="2560345"/>
+            <a:off x="4279078" y="2090619"/>
             <a:ext cx="3031650" cy="3041200"/>
             <a:chOff x="4294766" y="2006319"/>
             <a:chExt cx="3643450" cy="3654930"/>
